--- a/SPRING/모지원_spring/SpringBoot_모지원/Spring Boot_모지원.pptx
+++ b/SPRING/모지원_spring/SpringBoot_모지원/Spring Boot_모지원.pptx
@@ -9,6 +9,7 @@
     <p:sldId id="257" r:id="rId3"/>
     <p:sldId id="258" r:id="rId4"/>
     <p:sldId id="259" r:id="rId5"/>
+    <p:sldId id="260" r:id="rId6"/>
   </p:sldIdLst>
   <p:sldSz cx="12192000" cy="6858000"/>
   <p:notesSz cx="6858000" cy="9144000"/>
@@ -4496,35 +4497,157 @@
           </a:p>
         </p:txBody>
       </p:sp>
-      <p:sp>
-        <p:nvSpPr>
-          <p:cNvPr id="3" name="내용 개체 틀 2"/>
-          <p:cNvSpPr>
-            <a:spLocks noGrp="1"/>
-          </p:cNvSpPr>
-          <p:nvPr>
-            <p:ph idx="1"/>
-          </p:nvPr>
-        </p:nvSpPr>
-        <p:spPr/>
-        <p:txBody>
-          <a:bodyPr/>
-          <a:p>
-            <a:pPr>
-              <a:defRPr/>
-            </a:pPr>
-            <a:r>
-              <a:rPr lang="ko-KR" altLang="en-US"/>
-              <a:t/>
-            </a:r>
-            <a:endParaRPr lang="ko-KR" altLang="en-US"/>
-          </a:p>
-        </p:txBody>
-      </p:sp>
+      <p:pic>
+        <p:nvPicPr>
+          <p:cNvPr id="4" name=""/>
+          <p:cNvPicPr>
+            <a:picLocks noChangeAspect="1"/>
+          </p:cNvPicPr>
+          <p:nvPr/>
+        </p:nvPicPr>
+        <p:blipFill rotWithShape="1">
+          <a:blip r:embed="rId2"/>
+          <a:stretch>
+            <a:fillRect/>
+          </a:stretch>
+        </p:blipFill>
+        <p:spPr>
+          <a:xfrm>
+            <a:off x="300037" y="2267254"/>
+            <a:ext cx="6159500" cy="3519182"/>
+          </a:xfrm>
+          <a:prstGeom prst="rect">
+            <a:avLst/>
+          </a:prstGeom>
+        </p:spPr>
+      </p:pic>
+      <p:pic>
+        <p:nvPicPr>
+          <p:cNvPr id="5" name=""/>
+          <p:cNvPicPr>
+            <a:picLocks noChangeAspect="1"/>
+          </p:cNvPicPr>
+          <p:nvPr/>
+        </p:nvPicPr>
+        <p:blipFill rotWithShape="1">
+          <a:blip r:embed="rId3"/>
+          <a:stretch>
+            <a:fillRect/>
+          </a:stretch>
+        </p:blipFill>
+        <p:spPr>
+          <a:xfrm>
+            <a:off x="6670338" y="2267254"/>
+            <a:ext cx="5057075" cy="3083870"/>
+          </a:xfrm>
+          <a:prstGeom prst="rect">
+            <a:avLst/>
+          </a:prstGeom>
+        </p:spPr>
+      </p:pic>
     </p:spTree>
     <p:extLst>
       <p:ext uri="{BB962C8B-B14F-4D97-AF65-F5344CB8AC3E}">
         <p14:creationId xmlns:p14="http://schemas.microsoft.com/office/powerpoint/2010/main" val="3469377911"/>
+      </p:ext>
+    </p:extLst>
+  </p:cSld>
+  <p:clrMapOvr>
+    <a:masterClrMapping/>
+  </p:clrMapOvr>
+  <mc:AlternateContent xmlns:mc="http://schemas.openxmlformats.org/markup-compatibility/2006">
+    <mc:Choice xmlns:p14="http://schemas.microsoft.com/office/powerpoint/2010/main" Requires="p14">
+      <p:transition xmlns:mc="http://schemas.openxmlformats.org/markup-compatibility/2006" xmlns:p14="http://schemas.microsoft.com/office/powerpoint/2010/main" mc:Ignorable="p14" p14:dur="500"/>
+    </mc:Choice>
+    <mc:Fallback>
+      <p:transition/>
+    </mc:Fallback>
+  </mc:AlternateContent>
+</p:sld>
+</file>
+
+<file path=ppt/slides/slide5.xml><?xml version="1.0" encoding="utf-8"?>
+<p:sld xmlns:r="http://schemas.openxmlformats.org/officeDocument/2006/relationships" xmlns:c="http://schemas.openxmlformats.org/drawingml/2006/chart" xmlns:a="http://schemas.openxmlformats.org/drawingml/2006/main" xmlns:dgm="http://schemas.openxmlformats.org/drawingml/2006/diagram" xmlns:dsp="http://schemas.microsoft.com/office/drawing/2008/diagram" xmlns:p="http://schemas.openxmlformats.org/presentationml/2006/main">
+  <p:cSld>
+    <p:spTree>
+      <p:nvGrpSpPr>
+        <p:cNvPr id="1" name=""/>
+        <p:cNvGrpSpPr/>
+        <p:nvPr/>
+      </p:nvGrpSpPr>
+      <p:grpSpPr>
+        <a:xfrm>
+          <a:off x="0" y="0"/>
+          <a:ext cx="0" cy="0"/>
+          <a:chOff x="0" y="0"/>
+          <a:chExt cx="0" cy="0"/>
+        </a:xfrm>
+      </p:grpSpPr>
+      <p:sp>
+        <p:nvSpPr>
+          <p:cNvPr id="2" name="제목 1"/>
+          <p:cNvSpPr>
+            <a:spLocks noGrp="1"/>
+          </p:cNvSpPr>
+          <p:nvPr>
+            <p:ph type="title" idx="0"/>
+          </p:nvPr>
+        </p:nvSpPr>
+        <p:spPr/>
+        <p:txBody>
+          <a:bodyPr/>
+          <a:p>
+            <a:pPr algn="l">
+              <a:defRPr/>
+            </a:pPr>
+            <a:r>
+              <a:rPr lang="en-US" altLang="ko-KR"/>
+              <a:t>3.</a:t>
+            </a:r>
+            <a:r>
+              <a:rPr lang="ko-KR" altLang="en-US"/>
+              <a:t> 스프링데이터 </a:t>
+            </a:r>
+            <a:r>
+              <a:rPr lang="en-US" altLang="ko-KR"/>
+              <a:t>JPA</a:t>
+            </a:r>
+            <a:r>
+              <a:rPr lang="ko-KR" altLang="en-US"/>
+              <a:t> 구현하기</a:t>
+            </a:r>
+            <a:endParaRPr lang="ko-KR" altLang="en-US"/>
+          </a:p>
+        </p:txBody>
+      </p:sp>
+      <p:pic>
+        <p:nvPicPr>
+          <p:cNvPr id="4" name=""/>
+          <p:cNvPicPr>
+            <a:picLocks noChangeAspect="1"/>
+          </p:cNvPicPr>
+          <p:nvPr/>
+        </p:nvPicPr>
+        <p:blipFill rotWithShape="1">
+          <a:blip r:embed="rId2"/>
+          <a:stretch>
+            <a:fillRect/>
+          </a:stretch>
+        </p:blipFill>
+        <p:spPr>
+          <a:xfrm>
+            <a:off x="925445" y="1417638"/>
+            <a:ext cx="9520338" cy="4595231"/>
+          </a:xfrm>
+          <a:prstGeom prst="rect">
+            <a:avLst/>
+          </a:prstGeom>
+        </p:spPr>
+      </p:pic>
+    </p:spTree>
+    <p:extLst>
+      <p:ext uri="{BB962C8B-B14F-4D97-AF65-F5344CB8AC3E}">
+        <p14:creationId xmlns:p14="http://schemas.microsoft.com/office/powerpoint/2010/main" val="1133280290"/>
       </p:ext>
     </p:extLst>
   </p:cSld>
